--- a/pp/hoge.pptx
+++ b/pp/hoge.pptx
@@ -10,6 +10,8 @@
     <p:sldId id="258" r:id="rId4"/>
     <p:sldId id="259" r:id="rId5"/>
     <p:sldId id="260" r:id="rId6"/>
+    <p:sldId id="261" r:id="rId7"/>
+    <p:sldId id="262" r:id="rId8"/>
   </p:sldIdLst>
   <p:sldSz cx="9144000" cy="5143500" type="screen16x9"/>
   <p:notesSz cx="6858000" cy="9144000"/>
@@ -160,10 +162,9 @@
           </a:lstStyle>
           <a:p>
             <a:r>
-              <a:rPr kumimoji="1" lang="ja-JP" altLang="en-US" smtClean="0"/>
+              <a:rPr kumimoji="1" lang="ja-JP" altLang="en-US"/>
               <a:t>マスター タイトルの書式設定</a:t>
             </a:r>
-            <a:endParaRPr kumimoji="1" lang="ja-JP" altLang="en-US"/>
           </a:p>
         </p:txBody>
       </p:sp>
@@ -225,10 +226,9 @@
           </a:lstStyle>
           <a:p>
             <a:r>
-              <a:rPr kumimoji="1" lang="ja-JP" altLang="en-US" smtClean="0"/>
+              <a:rPr kumimoji="1" lang="ja-JP" altLang="en-US"/>
               <a:t>マスター サブタイトルの書式設定</a:t>
             </a:r>
-            <a:endParaRPr kumimoji="1" lang="ja-JP" altLang="en-US"/>
           </a:p>
         </p:txBody>
       </p:sp>
@@ -257,7 +257,7 @@
           <a:p>
             <a:fld id="{2B2B8E5B-BA50-464C-8D3B-041D669C55FB}" type="datetime1">
               <a:rPr kumimoji="1" lang="ja-JP" altLang="en-US" smtClean="0"/>
-              <a:t>2024/4/22</a:t>
+              <a:t>2024/8/2</a:t>
             </a:fld>
             <a:endParaRPr kumimoji="1" lang="ja-JP" altLang="en-US"/>
           </a:p>
@@ -771,10 +771,9 @@
           <a:lstStyle/>
           <a:p>
             <a:r>
-              <a:rPr kumimoji="1" lang="ja-JP" altLang="en-US" smtClean="0"/>
+              <a:rPr kumimoji="1" lang="ja-JP" altLang="en-US"/>
               <a:t>マスター タイトルの書式設定</a:t>
             </a:r>
-            <a:endParaRPr kumimoji="1" lang="ja-JP" altLang="en-US"/>
           </a:p>
         </p:txBody>
       </p:sp>
@@ -837,7 +836,7 @@
               <a:buNone/>
             </a:pPr>
             <a:r>
-              <a:rPr kumimoji="1" lang="ja-JP" altLang="en-US" smtClean="0"/>
+              <a:rPr kumimoji="1" lang="ja-JP" altLang="en-US" dirty="0"/>
               <a:t>マスター テキストの書式設定</a:t>
             </a:r>
           </a:p>
@@ -857,15 +856,15 @@
               </a:buClr>
             </a:pPr>
             <a:r>
-              <a:rPr kumimoji="1" lang="ja-JP" altLang="en-US" smtClean="0"/>
+              <a:rPr kumimoji="1" lang="ja-JP" altLang="en-US" dirty="0"/>
               <a:t>第 </a:t>
             </a:r>
             <a:r>
-              <a:rPr kumimoji="1" lang="en-US" altLang="ja-JP" smtClean="0"/>
+              <a:rPr kumimoji="1" lang="en-US" altLang="ja-JP" dirty="0"/>
               <a:t>2 </a:t>
             </a:r>
             <a:r>
-              <a:rPr kumimoji="1" lang="ja-JP" altLang="en-US" smtClean="0"/>
+              <a:rPr kumimoji="1" lang="ja-JP" altLang="en-US" dirty="0"/>
               <a:t>レベル</a:t>
             </a:r>
           </a:p>
@@ -883,15 +882,15 @@
               <a:buChar char="-"/>
             </a:pPr>
             <a:r>
-              <a:rPr kumimoji="1" lang="ja-JP" altLang="en-US" smtClean="0"/>
+              <a:rPr kumimoji="1" lang="ja-JP" altLang="en-US" dirty="0"/>
               <a:t>第 </a:t>
             </a:r>
             <a:r>
-              <a:rPr kumimoji="1" lang="en-US" altLang="ja-JP" smtClean="0"/>
+              <a:rPr kumimoji="1" lang="en-US" altLang="ja-JP" dirty="0"/>
               <a:t>3 </a:t>
             </a:r>
             <a:r>
-              <a:rPr kumimoji="1" lang="ja-JP" altLang="en-US" smtClean="0"/>
+              <a:rPr kumimoji="1" lang="ja-JP" altLang="en-US" dirty="0"/>
               <a:t>レベル</a:t>
             </a:r>
           </a:p>
@@ -910,15 +909,15 @@
               <a:buChar char="-"/>
             </a:pPr>
             <a:r>
-              <a:rPr kumimoji="1" lang="ja-JP" altLang="en-US" smtClean="0"/>
+              <a:rPr kumimoji="1" lang="ja-JP" altLang="en-US" dirty="0"/>
               <a:t>第 </a:t>
             </a:r>
             <a:r>
-              <a:rPr kumimoji="1" lang="en-US" altLang="ja-JP" smtClean="0"/>
+              <a:rPr kumimoji="1" lang="en-US" altLang="ja-JP" dirty="0"/>
               <a:t>4 </a:t>
             </a:r>
             <a:r>
-              <a:rPr kumimoji="1" lang="ja-JP" altLang="en-US" smtClean="0"/>
+              <a:rPr kumimoji="1" lang="ja-JP" altLang="en-US" dirty="0"/>
               <a:t>レベル</a:t>
             </a:r>
           </a:p>
@@ -938,18 +937,17 @@
               </a:buClr>
             </a:pPr>
             <a:r>
-              <a:rPr kumimoji="1" lang="ja-JP" altLang="en-US" smtClean="0"/>
+              <a:rPr kumimoji="1" lang="ja-JP" altLang="en-US" dirty="0"/>
               <a:t>第 </a:t>
             </a:r>
             <a:r>
-              <a:rPr kumimoji="1" lang="en-US" altLang="ja-JP" smtClean="0"/>
+              <a:rPr kumimoji="1" lang="en-US" altLang="ja-JP" dirty="0"/>
               <a:t>5 </a:t>
             </a:r>
             <a:r>
-              <a:rPr kumimoji="1" lang="ja-JP" altLang="en-US" smtClean="0"/>
+              <a:rPr kumimoji="1" lang="ja-JP" altLang="en-US" dirty="0"/>
               <a:t>レベル</a:t>
             </a:r>
-            <a:endParaRPr kumimoji="1" lang="ja-JP" altLang="en-US"/>
           </a:p>
         </p:txBody>
       </p:sp>
@@ -978,7 +976,7 @@
           <a:p>
             <a:fld id="{11061F0C-B02F-4B72-9330-B608A15BCE6C}" type="datetime1">
               <a:rPr kumimoji="1" lang="ja-JP" altLang="en-US" smtClean="0"/>
-              <a:t>2024/4/22</a:t>
+              <a:t>2024/8/2</a:t>
             </a:fld>
             <a:endParaRPr kumimoji="1" lang="ja-JP" altLang="en-US"/>
           </a:p>
@@ -1125,10 +1123,9 @@
           </a:lstStyle>
           <a:p>
             <a:r>
-              <a:rPr kumimoji="1" lang="ja-JP" altLang="en-US" smtClean="0"/>
+              <a:rPr kumimoji="1" lang="ja-JP" altLang="en-US"/>
               <a:t>マスター タイトルの書式設定</a:t>
             </a:r>
-            <a:endParaRPr kumimoji="1" lang="ja-JP" altLang="en-US"/>
           </a:p>
         </p:txBody>
       </p:sp>
@@ -1243,7 +1240,7 @@
           <a:p>
             <a:pPr lvl="0"/>
             <a:r>
-              <a:rPr kumimoji="1" lang="ja-JP" altLang="en-US" smtClean="0"/>
+              <a:rPr kumimoji="1" lang="ja-JP" altLang="en-US"/>
               <a:t>マスター テキストの書式設定</a:t>
             </a:r>
           </a:p>
@@ -1274,7 +1271,7 @@
           <a:p>
             <a:fld id="{A05C19A2-0374-4011-89C3-86AC619A716D}" type="datetime1">
               <a:rPr kumimoji="1" lang="ja-JP" altLang="en-US" smtClean="0"/>
-              <a:t>2024/4/22</a:t>
+              <a:t>2024/8/2</a:t>
             </a:fld>
             <a:endParaRPr kumimoji="1" lang="ja-JP" altLang="en-US"/>
           </a:p>
@@ -1413,10 +1410,9 @@
           <a:lstStyle/>
           <a:p>
             <a:r>
-              <a:rPr kumimoji="1" lang="ja-JP" altLang="en-US" smtClean="0"/>
+              <a:rPr kumimoji="1" lang="ja-JP" altLang="en-US" dirty="0"/>
               <a:t>マスター タイトルの書式設定</a:t>
             </a:r>
-            <a:endParaRPr kumimoji="1" lang="ja-JP" altLang="en-US"/>
           </a:p>
         </p:txBody>
       </p:sp>
@@ -1442,70 +1438,69 @@
           <a:p>
             <a:pPr lvl="0"/>
             <a:r>
-              <a:rPr kumimoji="1" lang="ja-JP" altLang="en-US" smtClean="0"/>
+              <a:rPr kumimoji="1" lang="ja-JP" altLang="en-US"/>
               <a:t>マスター テキストの書式設定</a:t>
             </a:r>
           </a:p>
           <a:p>
             <a:pPr lvl="1"/>
             <a:r>
-              <a:rPr kumimoji="1" lang="ja-JP" altLang="en-US" smtClean="0"/>
+              <a:rPr kumimoji="1" lang="ja-JP" altLang="en-US"/>
               <a:t>第 </a:t>
             </a:r>
             <a:r>
-              <a:rPr kumimoji="1" lang="en-US" altLang="ja-JP" smtClean="0"/>
+              <a:rPr kumimoji="1" lang="en-US" altLang="ja-JP"/>
               <a:t>2 </a:t>
             </a:r>
             <a:r>
-              <a:rPr kumimoji="1" lang="ja-JP" altLang="en-US" smtClean="0"/>
+              <a:rPr kumimoji="1" lang="ja-JP" altLang="en-US"/>
               <a:t>レベル</a:t>
             </a:r>
           </a:p>
           <a:p>
             <a:pPr lvl="2"/>
             <a:r>
-              <a:rPr kumimoji="1" lang="ja-JP" altLang="en-US" smtClean="0"/>
+              <a:rPr kumimoji="1" lang="ja-JP" altLang="en-US"/>
               <a:t>第 </a:t>
             </a:r>
             <a:r>
-              <a:rPr kumimoji="1" lang="en-US" altLang="ja-JP" smtClean="0"/>
+              <a:rPr kumimoji="1" lang="en-US" altLang="ja-JP"/>
               <a:t>3 </a:t>
             </a:r>
             <a:r>
-              <a:rPr kumimoji="1" lang="ja-JP" altLang="en-US" smtClean="0"/>
+              <a:rPr kumimoji="1" lang="ja-JP" altLang="en-US"/>
               <a:t>レベル</a:t>
             </a:r>
           </a:p>
           <a:p>
             <a:pPr lvl="3"/>
             <a:r>
-              <a:rPr kumimoji="1" lang="ja-JP" altLang="en-US" smtClean="0"/>
+              <a:rPr kumimoji="1" lang="ja-JP" altLang="en-US"/>
               <a:t>第 </a:t>
             </a:r>
             <a:r>
-              <a:rPr kumimoji="1" lang="en-US" altLang="ja-JP" smtClean="0"/>
+              <a:rPr kumimoji="1" lang="en-US" altLang="ja-JP"/>
               <a:t>4 </a:t>
             </a:r>
             <a:r>
-              <a:rPr kumimoji="1" lang="ja-JP" altLang="en-US" smtClean="0"/>
+              <a:rPr kumimoji="1" lang="ja-JP" altLang="en-US"/>
               <a:t>レベル</a:t>
             </a:r>
           </a:p>
           <a:p>
             <a:pPr lvl="4"/>
             <a:r>
-              <a:rPr kumimoji="1" lang="ja-JP" altLang="en-US" smtClean="0"/>
+              <a:rPr kumimoji="1" lang="ja-JP" altLang="en-US"/>
               <a:t>第 </a:t>
             </a:r>
             <a:r>
-              <a:rPr kumimoji="1" lang="en-US" altLang="ja-JP" smtClean="0"/>
+              <a:rPr kumimoji="1" lang="en-US" altLang="ja-JP"/>
               <a:t>5 </a:t>
             </a:r>
             <a:r>
-              <a:rPr kumimoji="1" lang="ja-JP" altLang="en-US" smtClean="0"/>
+              <a:rPr kumimoji="1" lang="ja-JP" altLang="en-US"/>
               <a:t>レベル</a:t>
             </a:r>
-            <a:endParaRPr kumimoji="1" lang="ja-JP" altLang="en-US"/>
           </a:p>
         </p:txBody>
       </p:sp>
@@ -1531,70 +1526,69 @@
           <a:p>
             <a:pPr lvl="0"/>
             <a:r>
-              <a:rPr kumimoji="1" lang="ja-JP" altLang="en-US" smtClean="0"/>
+              <a:rPr kumimoji="1" lang="ja-JP" altLang="en-US"/>
               <a:t>マスター テキストの書式設定</a:t>
             </a:r>
           </a:p>
           <a:p>
             <a:pPr lvl="1"/>
             <a:r>
-              <a:rPr kumimoji="1" lang="ja-JP" altLang="en-US" smtClean="0"/>
+              <a:rPr kumimoji="1" lang="ja-JP" altLang="en-US"/>
               <a:t>第 </a:t>
             </a:r>
             <a:r>
-              <a:rPr kumimoji="1" lang="en-US" altLang="ja-JP" smtClean="0"/>
+              <a:rPr kumimoji="1" lang="en-US" altLang="ja-JP"/>
               <a:t>2 </a:t>
             </a:r>
             <a:r>
-              <a:rPr kumimoji="1" lang="ja-JP" altLang="en-US" smtClean="0"/>
+              <a:rPr kumimoji="1" lang="ja-JP" altLang="en-US"/>
               <a:t>レベル</a:t>
             </a:r>
           </a:p>
           <a:p>
             <a:pPr lvl="2"/>
             <a:r>
-              <a:rPr kumimoji="1" lang="ja-JP" altLang="en-US" smtClean="0"/>
+              <a:rPr kumimoji="1" lang="ja-JP" altLang="en-US"/>
               <a:t>第 </a:t>
             </a:r>
             <a:r>
-              <a:rPr kumimoji="1" lang="en-US" altLang="ja-JP" smtClean="0"/>
+              <a:rPr kumimoji="1" lang="en-US" altLang="ja-JP"/>
               <a:t>3 </a:t>
             </a:r>
             <a:r>
-              <a:rPr kumimoji="1" lang="ja-JP" altLang="en-US" smtClean="0"/>
+              <a:rPr kumimoji="1" lang="ja-JP" altLang="en-US"/>
               <a:t>レベル</a:t>
             </a:r>
           </a:p>
           <a:p>
             <a:pPr lvl="3"/>
             <a:r>
-              <a:rPr kumimoji="1" lang="ja-JP" altLang="en-US" smtClean="0"/>
+              <a:rPr kumimoji="1" lang="ja-JP" altLang="en-US"/>
               <a:t>第 </a:t>
             </a:r>
             <a:r>
-              <a:rPr kumimoji="1" lang="en-US" altLang="ja-JP" smtClean="0"/>
+              <a:rPr kumimoji="1" lang="en-US" altLang="ja-JP"/>
               <a:t>4 </a:t>
             </a:r>
             <a:r>
-              <a:rPr kumimoji="1" lang="ja-JP" altLang="en-US" smtClean="0"/>
+              <a:rPr kumimoji="1" lang="ja-JP" altLang="en-US"/>
               <a:t>レベル</a:t>
             </a:r>
           </a:p>
           <a:p>
             <a:pPr lvl="4"/>
             <a:r>
-              <a:rPr kumimoji="1" lang="ja-JP" altLang="en-US" smtClean="0"/>
+              <a:rPr kumimoji="1" lang="ja-JP" altLang="en-US"/>
               <a:t>第 </a:t>
             </a:r>
             <a:r>
-              <a:rPr kumimoji="1" lang="en-US" altLang="ja-JP" smtClean="0"/>
+              <a:rPr kumimoji="1" lang="en-US" altLang="ja-JP"/>
               <a:t>5 </a:t>
             </a:r>
             <a:r>
-              <a:rPr kumimoji="1" lang="ja-JP" altLang="en-US" smtClean="0"/>
+              <a:rPr kumimoji="1" lang="ja-JP" altLang="en-US"/>
               <a:t>レベル</a:t>
             </a:r>
-            <a:endParaRPr kumimoji="1" lang="ja-JP" altLang="en-US"/>
           </a:p>
         </p:txBody>
       </p:sp>
@@ -1623,7 +1617,7 @@
           <a:p>
             <a:fld id="{1DDF3888-BB9C-4A4D-8342-CBB04A01C890}" type="datetime1">
               <a:rPr kumimoji="1" lang="ja-JP" altLang="en-US" smtClean="0"/>
-              <a:t>2024/4/22</a:t>
+              <a:t>2024/8/2</a:t>
             </a:fld>
             <a:endParaRPr kumimoji="1" lang="ja-JP" altLang="en-US"/>
           </a:p>
@@ -1730,10 +1724,9 @@
           <a:lstStyle/>
           <a:p>
             <a:r>
-              <a:rPr kumimoji="1" lang="ja-JP" altLang="en-US" smtClean="0"/>
+              <a:rPr kumimoji="1" lang="ja-JP" altLang="en-US"/>
               <a:t>マスター タイトルの書式設定</a:t>
             </a:r>
-            <a:endParaRPr kumimoji="1" lang="ja-JP" altLang="en-US"/>
           </a:p>
         </p:txBody>
       </p:sp>
@@ -1796,7 +1789,7 @@
           <a:p>
             <a:pPr lvl="0"/>
             <a:r>
-              <a:rPr kumimoji="1" lang="ja-JP" altLang="en-US" smtClean="0"/>
+              <a:rPr kumimoji="1" lang="ja-JP" altLang="en-US"/>
               <a:t>マスター テキストの書式設定</a:t>
             </a:r>
           </a:p>
@@ -1824,70 +1817,69 @@
           <a:p>
             <a:pPr lvl="0"/>
             <a:r>
-              <a:rPr kumimoji="1" lang="ja-JP" altLang="en-US" smtClean="0"/>
+              <a:rPr kumimoji="1" lang="ja-JP" altLang="en-US"/>
               <a:t>マスター テキストの書式設定</a:t>
             </a:r>
           </a:p>
           <a:p>
             <a:pPr lvl="1"/>
             <a:r>
-              <a:rPr kumimoji="1" lang="ja-JP" altLang="en-US" smtClean="0"/>
+              <a:rPr kumimoji="1" lang="ja-JP" altLang="en-US"/>
               <a:t>第 </a:t>
             </a:r>
             <a:r>
-              <a:rPr kumimoji="1" lang="en-US" altLang="ja-JP" smtClean="0"/>
+              <a:rPr kumimoji="1" lang="en-US" altLang="ja-JP"/>
               <a:t>2 </a:t>
             </a:r>
             <a:r>
-              <a:rPr kumimoji="1" lang="ja-JP" altLang="en-US" smtClean="0"/>
+              <a:rPr kumimoji="1" lang="ja-JP" altLang="en-US"/>
               <a:t>レベル</a:t>
             </a:r>
           </a:p>
           <a:p>
             <a:pPr lvl="2"/>
             <a:r>
-              <a:rPr kumimoji="1" lang="ja-JP" altLang="en-US" smtClean="0"/>
+              <a:rPr kumimoji="1" lang="ja-JP" altLang="en-US"/>
               <a:t>第 </a:t>
             </a:r>
             <a:r>
-              <a:rPr kumimoji="1" lang="en-US" altLang="ja-JP" smtClean="0"/>
+              <a:rPr kumimoji="1" lang="en-US" altLang="ja-JP"/>
               <a:t>3 </a:t>
             </a:r>
             <a:r>
-              <a:rPr kumimoji="1" lang="ja-JP" altLang="en-US" smtClean="0"/>
+              <a:rPr kumimoji="1" lang="ja-JP" altLang="en-US"/>
               <a:t>レベル</a:t>
             </a:r>
           </a:p>
           <a:p>
             <a:pPr lvl="3"/>
             <a:r>
-              <a:rPr kumimoji="1" lang="ja-JP" altLang="en-US" smtClean="0"/>
+              <a:rPr kumimoji="1" lang="ja-JP" altLang="en-US"/>
               <a:t>第 </a:t>
             </a:r>
             <a:r>
-              <a:rPr kumimoji="1" lang="en-US" altLang="ja-JP" smtClean="0"/>
+              <a:rPr kumimoji="1" lang="en-US" altLang="ja-JP"/>
               <a:t>4 </a:t>
             </a:r>
             <a:r>
-              <a:rPr kumimoji="1" lang="ja-JP" altLang="en-US" smtClean="0"/>
+              <a:rPr kumimoji="1" lang="ja-JP" altLang="en-US"/>
               <a:t>レベル</a:t>
             </a:r>
           </a:p>
           <a:p>
             <a:pPr lvl="4"/>
             <a:r>
-              <a:rPr kumimoji="1" lang="ja-JP" altLang="en-US" smtClean="0"/>
+              <a:rPr kumimoji="1" lang="ja-JP" altLang="en-US"/>
               <a:t>第 </a:t>
             </a:r>
             <a:r>
-              <a:rPr kumimoji="1" lang="en-US" altLang="ja-JP" smtClean="0"/>
+              <a:rPr kumimoji="1" lang="en-US" altLang="ja-JP"/>
               <a:t>5 </a:t>
             </a:r>
             <a:r>
-              <a:rPr kumimoji="1" lang="ja-JP" altLang="en-US" smtClean="0"/>
+              <a:rPr kumimoji="1" lang="ja-JP" altLang="en-US"/>
               <a:t>レベル</a:t>
             </a:r>
-            <a:endParaRPr kumimoji="1" lang="ja-JP" altLang="en-US"/>
           </a:p>
         </p:txBody>
       </p:sp>
@@ -1950,7 +1942,7 @@
           <a:p>
             <a:pPr lvl="0"/>
             <a:r>
-              <a:rPr kumimoji="1" lang="ja-JP" altLang="en-US" smtClean="0"/>
+              <a:rPr kumimoji="1" lang="ja-JP" altLang="en-US"/>
               <a:t>マスター テキストの書式設定</a:t>
             </a:r>
           </a:p>
@@ -1978,70 +1970,69 @@
           <a:p>
             <a:pPr lvl="0"/>
             <a:r>
-              <a:rPr kumimoji="1" lang="ja-JP" altLang="en-US" smtClean="0"/>
+              <a:rPr kumimoji="1" lang="ja-JP" altLang="en-US"/>
               <a:t>マスター テキストの書式設定</a:t>
             </a:r>
           </a:p>
           <a:p>
             <a:pPr lvl="1"/>
             <a:r>
-              <a:rPr kumimoji="1" lang="ja-JP" altLang="en-US" smtClean="0"/>
+              <a:rPr kumimoji="1" lang="ja-JP" altLang="en-US"/>
               <a:t>第 </a:t>
             </a:r>
             <a:r>
-              <a:rPr kumimoji="1" lang="en-US" altLang="ja-JP" smtClean="0"/>
+              <a:rPr kumimoji="1" lang="en-US" altLang="ja-JP"/>
               <a:t>2 </a:t>
             </a:r>
             <a:r>
-              <a:rPr kumimoji="1" lang="ja-JP" altLang="en-US" smtClean="0"/>
+              <a:rPr kumimoji="1" lang="ja-JP" altLang="en-US"/>
               <a:t>レベル</a:t>
             </a:r>
           </a:p>
           <a:p>
             <a:pPr lvl="2"/>
             <a:r>
-              <a:rPr kumimoji="1" lang="ja-JP" altLang="en-US" smtClean="0"/>
+              <a:rPr kumimoji="1" lang="ja-JP" altLang="en-US"/>
               <a:t>第 </a:t>
             </a:r>
             <a:r>
-              <a:rPr kumimoji="1" lang="en-US" altLang="ja-JP" smtClean="0"/>
+              <a:rPr kumimoji="1" lang="en-US" altLang="ja-JP"/>
               <a:t>3 </a:t>
             </a:r>
             <a:r>
-              <a:rPr kumimoji="1" lang="ja-JP" altLang="en-US" smtClean="0"/>
+              <a:rPr kumimoji="1" lang="ja-JP" altLang="en-US"/>
               <a:t>レベル</a:t>
             </a:r>
           </a:p>
           <a:p>
             <a:pPr lvl="3"/>
             <a:r>
-              <a:rPr kumimoji="1" lang="ja-JP" altLang="en-US" smtClean="0"/>
+              <a:rPr kumimoji="1" lang="ja-JP" altLang="en-US"/>
               <a:t>第 </a:t>
             </a:r>
             <a:r>
-              <a:rPr kumimoji="1" lang="en-US" altLang="ja-JP" smtClean="0"/>
+              <a:rPr kumimoji="1" lang="en-US" altLang="ja-JP"/>
               <a:t>4 </a:t>
             </a:r>
             <a:r>
-              <a:rPr kumimoji="1" lang="ja-JP" altLang="en-US" smtClean="0"/>
+              <a:rPr kumimoji="1" lang="ja-JP" altLang="en-US"/>
               <a:t>レベル</a:t>
             </a:r>
           </a:p>
           <a:p>
             <a:pPr lvl="4"/>
             <a:r>
-              <a:rPr kumimoji="1" lang="ja-JP" altLang="en-US" smtClean="0"/>
+              <a:rPr kumimoji="1" lang="ja-JP" altLang="en-US"/>
               <a:t>第 </a:t>
             </a:r>
             <a:r>
-              <a:rPr kumimoji="1" lang="en-US" altLang="ja-JP" smtClean="0"/>
+              <a:rPr kumimoji="1" lang="en-US" altLang="ja-JP"/>
               <a:t>5 </a:t>
             </a:r>
             <a:r>
-              <a:rPr kumimoji="1" lang="ja-JP" altLang="en-US" smtClean="0"/>
+              <a:rPr kumimoji="1" lang="ja-JP" altLang="en-US"/>
               <a:t>レベル</a:t>
             </a:r>
-            <a:endParaRPr kumimoji="1" lang="ja-JP" altLang="en-US"/>
           </a:p>
         </p:txBody>
       </p:sp>
@@ -2070,7 +2061,7 @@
           <a:p>
             <a:fld id="{BCF2E21D-B218-4D40-9138-FF292A323C33}" type="datetime1">
               <a:rPr kumimoji="1" lang="ja-JP" altLang="en-US" smtClean="0"/>
-              <a:t>2024/4/22</a:t>
+              <a:t>2024/8/2</a:t>
             </a:fld>
             <a:endParaRPr kumimoji="1" lang="ja-JP" altLang="en-US"/>
           </a:p>
@@ -2181,7 +2172,7 @@
           <a:p>
             <a:fld id="{D1D4E725-94A0-4555-8568-7C0B7ABB1E6B}" type="datetime1">
               <a:rPr kumimoji="1" lang="ja-JP" altLang="en-US" smtClean="0"/>
-              <a:t>2024/4/22</a:t>
+              <a:t>2024/8/2</a:t>
             </a:fld>
             <a:endParaRPr kumimoji="1" lang="ja-JP" altLang="en-US"/>
           </a:p>
@@ -2279,23 +2270,25 @@
         </p:nvSpPr>
         <p:spPr>
           <a:xfrm>
-            <a:off x="629841" y="342900"/>
-            <a:ext cx="2949178" cy="1200150"/>
+            <a:off x="629840" y="342900"/>
+            <a:ext cx="5828109" cy="523999"/>
           </a:xfrm>
         </p:spPr>
         <p:txBody>
-          <a:bodyPr anchor="b"/>
+          <a:bodyPr vert="horz" lIns="0" tIns="0" rIns="0" bIns="0" rtlCol="0" anchor="b" anchorCtr="0">
+            <a:normAutofit/>
+          </a:bodyPr>
           <a:lstStyle>
             <a:lvl1pPr>
-              <a:defRPr sz="2400"/>
+              <a:defRPr lang="ja-JP" altLang="en-US"/>
             </a:lvl1pPr>
           </a:lstStyle>
           <a:p>
-            <a:r>
-              <a:rPr kumimoji="1" lang="ja-JP" altLang="en-US" smtClean="0"/>
+            <a:pPr lvl="0"/>
+            <a:r>
+              <a:rPr kumimoji="1" lang="ja-JP" altLang="en-US"/>
               <a:t>マスター タイトルの書式設定</a:t>
             </a:r>
-            <a:endParaRPr kumimoji="1" lang="ja-JP" altLang="en-US"/>
           </a:p>
         </p:txBody>
       </p:sp>
@@ -2311,8 +2304,8 @@
         </p:nvSpPr>
         <p:spPr>
           <a:xfrm>
-            <a:off x="3887391" y="740569"/>
-            <a:ext cx="4629150" cy="3655219"/>
+            <a:off x="6457950" y="740569"/>
+            <a:ext cx="2058590" cy="3655219"/>
           </a:xfrm>
         </p:spPr>
         <p:txBody>
@@ -2372,54 +2365,43 @@
         </p:nvSpPr>
         <p:spPr>
           <a:xfrm>
-            <a:off x="629841" y="1543050"/>
-            <a:ext cx="2949178" cy="2858691"/>
+            <a:off x="629840" y="887682"/>
+            <a:ext cx="5828109" cy="3514060"/>
           </a:xfrm>
+          <a:noFill/>
+          <a:ln w="9525">
+            <a:noFill/>
+            <a:miter lim="800000"/>
+            <a:headEnd/>
+            <a:tailEnd/>
+          </a:ln>
         </p:spPr>
         <p:txBody>
-          <a:bodyPr/>
+          <a:bodyPr vert="horz" wrap="square" lIns="0" tIns="0" rIns="0" bIns="0" numCol="1" anchor="t" anchorCtr="0" compatLnSpc="1">
+            <a:prstTxWarp prst="textNoShape">
+              <a:avLst/>
+            </a:prstTxWarp>
+          </a:bodyPr>
           <a:lstStyle>
-            <a:lvl1pPr marL="0" indent="0">
-              <a:buNone/>
-              <a:defRPr sz="1200"/>
+            <a:lvl1pPr>
+              <a:defRPr lang="ja-JP" altLang="en-US" smtClean="0"/>
             </a:lvl1pPr>
-            <a:lvl2pPr marL="342900" indent="0">
-              <a:buNone/>
-              <a:defRPr sz="1050"/>
-            </a:lvl2pPr>
-            <a:lvl3pPr marL="685800" indent="0">
-              <a:buNone/>
-              <a:defRPr sz="900"/>
-            </a:lvl3pPr>
-            <a:lvl4pPr marL="1028700" indent="0">
-              <a:buNone/>
-              <a:defRPr sz="750"/>
-            </a:lvl4pPr>
-            <a:lvl5pPr marL="1371600" indent="0">
-              <a:buNone/>
-              <a:defRPr sz="750"/>
-            </a:lvl5pPr>
-            <a:lvl6pPr marL="1714500" indent="0">
-              <a:buNone/>
-              <a:defRPr sz="750"/>
-            </a:lvl6pPr>
-            <a:lvl7pPr marL="2057400" indent="0">
-              <a:buNone/>
-              <a:defRPr sz="750"/>
-            </a:lvl7pPr>
-            <a:lvl8pPr marL="2400300" indent="0">
-              <a:buNone/>
-              <a:defRPr sz="750"/>
-            </a:lvl8pPr>
-            <a:lvl9pPr marL="2743200" indent="0">
-              <a:buNone/>
-              <a:defRPr sz="750"/>
-            </a:lvl9pPr>
           </a:lstStyle>
           <a:p>
-            <a:pPr lvl="0"/>
-            <a:r>
-              <a:rPr kumimoji="1" lang="ja-JP" altLang="en-US" smtClean="0"/>
+            <a:pPr marL="0" lvl="0" indent="0" eaLnBrk="0" fontAlgn="base" hangingPunct="0">
+              <a:lnSpc>
+                <a:spcPct val="100000"/>
+              </a:lnSpc>
+              <a:spcBef>
+                <a:spcPts val="450"/>
+              </a:spcBef>
+              <a:spcAft>
+                <a:spcPct val="0"/>
+              </a:spcAft>
+              <a:buNone/>
+            </a:pPr>
+            <a:r>
+              <a:rPr kumimoji="1" lang="ja-JP" altLang="en-US"/>
               <a:t>マスター テキストの書式設定</a:t>
             </a:r>
           </a:p>
@@ -2450,7 +2432,7 @@
           <a:p>
             <a:fld id="{DC3D817D-5DEA-4CFB-8783-ED554CB28A22}" type="datetime1">
               <a:rPr kumimoji="1" lang="ja-JP" altLang="en-US" smtClean="0"/>
-              <a:t>2024/4/22</a:t>
+              <a:t>2024/8/2</a:t>
             </a:fld>
             <a:endParaRPr kumimoji="1" lang="ja-JP" altLang="en-US"/>
           </a:p>
@@ -3094,11 +3076,11 @@
           <a:lstStyle/>
           <a:p>
             <a:r>
-              <a:rPr altLang="en-US" kumimoji="1" lang="ja-JP" smtClean="0"/>
+              <a:rPr altLang="en-US" kumimoji="1" lang="ja-JP"/>
               <a:t>マスター タイトルの書式設定 </a:t>
             </a:r>
             <a:r>
-              <a:rPr altLang="ja-JP" kumimoji="1" lang="en-US" smtClean="0"/>
+              <a:rPr altLang="ja-JP" kumimoji="1" lang="en-US"/>
               <a:t>abc</a:t>
             </a:r>
             <a:endParaRPr altLang="en-US" kumimoji="1" lang="ja-JP"/>
@@ -3152,14 +3134,14 @@
               <a:buNone/>
             </a:pPr>
             <a:r>
-              <a:rPr altLang="en-US" kumimoji="1" lang="ja-JP" smtClean="0"/>
+              <a:rPr altLang="en-US" kumimoji="1" lang="ja-JP"/>
               <a:t>マスター テキストの書式設定 </a:t>
             </a:r>
             <a:r>
-              <a:rPr altLang="ja-JP" kumimoji="1" lang="en-US" smtClean="0"/>
+              <a:rPr altLang="ja-JP" kumimoji="1" lang="en-US"/>
               <a:t>abc</a:t>
             </a:r>
-            <a:endParaRPr altLang="en-US" kumimoji="1" lang="ja-JP" smtClean="0"/>
+            <a:endParaRPr altLang="en-US" kumimoji="1" lang="ja-JP"/>
           </a:p>
           <a:p>
             <a:pPr eaLnBrk="0" fontAlgn="base" hangingPunct="0" indent="-132157" lvl="1" marL="133347">
@@ -3177,15 +3159,15 @@
               </a:buClr>
             </a:pPr>
             <a:r>
-              <a:rPr altLang="en-US" kumimoji="1" lang="ja-JP" smtClean="0"/>
+              <a:rPr altLang="en-US" kumimoji="1" lang="ja-JP"/>
               <a:t>第 </a:t>
             </a:r>
             <a:r>
-              <a:rPr altLang="ja-JP" kumimoji="1" lang="en-US" smtClean="0"/>
+              <a:rPr altLang="ja-JP" kumimoji="1" lang="en-US"/>
               <a:t>2 </a:t>
             </a:r>
             <a:r>
-              <a:rPr altLang="en-US" kumimoji="1" lang="ja-JP" smtClean="0"/>
+              <a:rPr altLang="en-US" kumimoji="1" lang="ja-JP"/>
               <a:t>レベル</a:t>
             </a:r>
           </a:p>
@@ -3203,15 +3185,15 @@
               <a:buChar char="-"/>
             </a:pPr>
             <a:r>
-              <a:rPr altLang="en-US" kumimoji="1" lang="ja-JP" smtClean="0"/>
+              <a:rPr altLang="en-US" kumimoji="1" lang="ja-JP"/>
               <a:t>第 </a:t>
             </a:r>
             <a:r>
-              <a:rPr altLang="ja-JP" kumimoji="1" lang="en-US" smtClean="0"/>
+              <a:rPr altLang="ja-JP" kumimoji="1" lang="en-US"/>
               <a:t>3 </a:t>
             </a:r>
             <a:r>
-              <a:rPr altLang="en-US" kumimoji="1" lang="ja-JP" smtClean="0"/>
+              <a:rPr altLang="en-US" kumimoji="1" lang="ja-JP"/>
               <a:t>レベル</a:t>
             </a:r>
           </a:p>
@@ -3230,15 +3212,15 @@
               <a:buChar char="-"/>
             </a:pPr>
             <a:r>
-              <a:rPr altLang="en-US" kumimoji="1" lang="ja-JP" smtClean="0"/>
+              <a:rPr altLang="en-US" kumimoji="1" lang="ja-JP"/>
               <a:t>第 </a:t>
             </a:r>
             <a:r>
-              <a:rPr altLang="ja-JP" kumimoji="1" lang="en-US" smtClean="0"/>
+              <a:rPr altLang="ja-JP" kumimoji="1" lang="en-US"/>
               <a:t>4 </a:t>
             </a:r>
             <a:r>
-              <a:rPr altLang="en-US" kumimoji="1" lang="ja-JP" smtClean="0"/>
+              <a:rPr altLang="en-US" kumimoji="1" lang="ja-JP"/>
               <a:t>レベル</a:t>
             </a:r>
           </a:p>
@@ -3258,18 +3240,17 @@
               </a:buClr>
             </a:pPr>
             <a:r>
-              <a:rPr altLang="en-US" kumimoji="1" lang="ja-JP" smtClean="0"/>
+              <a:rPr altLang="en-US" kumimoji="1" lang="ja-JP"/>
               <a:t>第 </a:t>
             </a:r>
             <a:r>
-              <a:rPr altLang="ja-JP" kumimoji="1" lang="en-US" smtClean="0"/>
+              <a:rPr altLang="ja-JP" kumimoji="1" lang="en-US"/>
               <a:t>5 </a:t>
             </a:r>
             <a:r>
-              <a:rPr altLang="en-US" kumimoji="1" lang="ja-JP" smtClean="0"/>
+              <a:rPr altLang="en-US" kumimoji="1" lang="ja-JP"/>
               <a:t>レベル</a:t>
             </a:r>
-            <a:endParaRPr altLang="en-US" kumimoji="1" lang="ja-JP"/>
           </a:p>
         </p:txBody>
       </p:sp>
@@ -3693,7 +3674,7 @@
             </a:pPr>
             <a:r>
               <a:rPr/>
-              <a:t>hogehoge</a:t>
+              <a:t>コンテンツのタイトル</a:t>
             </a:r>
           </a:p>
         </p:txBody>
@@ -3723,43 +3704,6 @@
             </a:pPr>
             <a:br/>
             <a:br/>
-            <a:r>
-              <a:rPr/>
-              <a:t>hoge</a:t>
-            </a:r>
-          </a:p>
-        </p:txBody>
-      </p:sp>
-      <p:sp>
-        <p:nvSpPr>
-          <p:cNvPr id="4" name="日付プレースホルダー 3"/>
-          <p:cNvSpPr>
-            <a:spLocks noGrp="1"/>
-          </p:cNvSpPr>
-          <p:nvPr>
-            <p:ph idx="10" sz="half" type="dt"/>
-          </p:nvPr>
-        </p:nvSpPr>
-        <p:spPr>
-          <a:xfrm>
-            <a:off x="628650" y="4767263"/>
-            <a:ext cx="2057400" cy="273844"/>
-          </a:xfrm>
-          <a:prstGeom prst="rect">
-            <a:avLst/>
-          </a:prstGeom>
-        </p:spPr>
-        <p:txBody>
-          <a:bodyPr/>
-          <a:lstStyle/>
-          <a:p>
-            <a:pPr lvl="0" indent="0" marL="0">
-              <a:buNone/>
-            </a:pPr>
-            <a:r>
-              <a:rPr/>
-              <a:t>2019/10/22</a:t>
-            </a:r>
           </a:p>
         </p:txBody>
       </p:sp>
@@ -3818,7 +3762,12 @@
             <p:ph type="title"/>
           </p:nvPr>
         </p:nvSpPr>
-        <p:spPr/>
+        <p:spPr>
+          <a:xfrm>
+            <a:off x="860400" y="1098000"/>
+            <a:ext cx="3470400" cy="345600"/>
+          </a:xfrm>
+        </p:spPr>
         <p:txBody>
           <a:bodyPr/>
           <a:lstStyle/>
@@ -3828,37 +3777,7 @@
             </a:pPr>
             <a:r>
               <a:rPr/>
-              <a:t>Slide 1</a:t>
-            </a:r>
-          </a:p>
-        </p:txBody>
-      </p:sp>
-      <p:sp>
-        <p:nvSpPr>
-          <p:cNvPr id="3" name="コンテンツ プレースホルダー 2"/>
-          <p:cNvSpPr>
-            <a:spLocks noGrp="1"/>
-          </p:cNvSpPr>
-          <p:nvPr>
-            <p:ph idx="1"/>
-          </p:nvPr>
-        </p:nvSpPr>
-        <p:spPr/>
-        <p:txBody>
-          <a:bodyPr/>
-          <a:lstStyle/>
-          <a:p>
-            <a:pPr lvl="0"/>
-            <a:r>
-              <a:rPr/>
-              <a:t>hogehoge</a:t>
-            </a:r>
-          </a:p>
-          <a:p>
-            <a:pPr lvl="0"/>
-            <a:r>
-              <a:rPr/>
-              <a:t>hogehoge</a:t>
+              <a:t>チャプタータイトル</a:t>
             </a:r>
           </a:p>
         </p:txBody>
@@ -3928,7 +3847,7 @@
             </a:pPr>
             <a:r>
               <a:rPr/>
-              <a:t>slide 2</a:t>
+              <a:t>目次</a:t>
             </a:r>
           </a:p>
         </p:txBody>
@@ -3948,10 +3867,93 @@
           <a:bodyPr/>
           <a:lstStyle/>
           <a:p>
-            <a:pPr lvl="0"/>
+            <a:pPr lvl="0" indent="-342900" marL="342900">
+              <a:buAutoNum type="arabicPeriod"/>
+            </a:pPr>
             <a:r>
               <a:rPr/>
-              <a:t>hoge</a:t>
+              <a:t>流体の諸性質</a:t>
+            </a:r>
+          </a:p>
+          <a:p>
+            <a:pPr lvl="0" indent="-342900" marL="342900">
+              <a:buAutoNum type="arabicPeriod"/>
+            </a:pPr>
+            <a:r>
+              <a:rPr/>
+              <a:t>静止流体の力学</a:t>
+            </a:r>
+          </a:p>
+          <a:p>
+            <a:pPr lvl="0" indent="-342900" marL="342900">
+              <a:buAutoNum type="arabicPeriod"/>
+            </a:pPr>
+            <a:r>
+              <a:rPr/>
+              <a:t>定常1次流れ</a:t>
+            </a:r>
+          </a:p>
+          <a:p>
+            <a:pPr lvl="0" indent="-342900" marL="342900">
+              <a:buAutoNum type="arabicPeriod"/>
+            </a:pPr>
+            <a:r>
+              <a:rPr/>
+              <a:t>流量・流速測定の原理</a:t>
+            </a:r>
+          </a:p>
+          <a:p>
+            <a:pPr lvl="0" indent="-342900" marL="342900">
+              <a:buAutoNum type="arabicPeriod"/>
+            </a:pPr>
+            <a:r>
+              <a:rPr/>
+              <a:t>運動量理論</a:t>
+            </a:r>
+          </a:p>
+          <a:p>
+            <a:pPr lvl="0" indent="-342900" marL="342900">
+              <a:buAutoNum type="arabicPeriod"/>
+            </a:pPr>
+            <a:r>
+              <a:rPr/>
+              <a:t>次元解析と相似則</a:t>
+            </a:r>
+          </a:p>
+          <a:p>
+            <a:pPr lvl="0" indent="-342900" marL="342900">
+              <a:buAutoNum type="arabicPeriod"/>
+            </a:pPr>
+            <a:r>
+              <a:rPr/>
+              <a:t>管路の流れ</a:t>
+            </a:r>
+          </a:p>
+          <a:p>
+            <a:pPr lvl="0" indent="-342900" marL="342900">
+              <a:buAutoNum type="arabicPeriod"/>
+            </a:pPr>
+            <a:r>
+              <a:rPr/>
+              <a:t>流体力学の基礎式</a:t>
+            </a:r>
+          </a:p>
+          <a:p>
+            <a:pPr lvl="0" indent="-342900" marL="342900">
+              <a:buAutoNum type="arabicPeriod"/>
+            </a:pPr>
+            <a:r>
+              <a:rPr/>
+              <a:t>層流の理論的解析</a:t>
+            </a:r>
+          </a:p>
+          <a:p>
+            <a:pPr lvl="0" indent="-342900" marL="342900">
+              <a:buAutoNum type="arabicPeriod"/>
+            </a:pPr>
+            <a:r>
+              <a:rPr/>
+              <a:t>2次元ポテンシャル流の基礎</a:t>
             </a:r>
           </a:p>
         </p:txBody>
@@ -4026,7 +4028,7 @@
             </a:pPr>
             <a:r>
               <a:rPr/>
-              <a:t>seleciton2</a:t>
+              <a:t>チャプタータイトル2</a:t>
             </a:r>
           </a:p>
         </p:txBody>
@@ -4096,7 +4098,67 @@
             </a:pPr>
             <a:r>
               <a:rPr/>
-              <a:t>slide 3</a:t>
+              <a:t>コンテンツタイトル2</a:t>
+            </a:r>
+          </a:p>
+        </p:txBody>
+      </p:sp>
+      <p:sp>
+        <p:nvSpPr>
+          <p:cNvPr id="3" name="コンテンツ プレースホルダー 2"/>
+          <p:cNvSpPr>
+            <a:spLocks noGrp="1"/>
+          </p:cNvSpPr>
+          <p:nvPr>
+            <p:ph idx="1"/>
+          </p:nvPr>
+        </p:nvSpPr>
+        <p:spPr/>
+        <p:txBody>
+          <a:bodyPr/>
+          <a:lstStyle/>
+          <a:p>
+            <a:pPr lvl="0" indent="0" marL="0">
+              <a:buNone/>
+            </a:pPr>
+            <a:r>
+              <a:rPr/>
+              <a:t>内容を書く</a:t>
+            </a:r>
+          </a:p>
+          <a:p>
+            <a:pPr lvl="0"/>
+            <a:r>
+              <a:rPr/>
+              <a:t>あああ</a:t>
+            </a:r>
+          </a:p>
+          <a:p>
+            <a:pPr lvl="0"/>
+            <a:r>
+              <a:rPr/>
+              <a:t>いいい</a:t>
+            </a:r>
+          </a:p>
+          <a:p>
+            <a:pPr lvl="1"/>
+            <a:r>
+              <a:rPr/>
+              <a:t>あああ</a:t>
+            </a:r>
+          </a:p>
+          <a:p>
+            <a:pPr lvl="2"/>
+            <a:r>
+              <a:rPr/>
+              <a:t>ううう</a:t>
+            </a:r>
+          </a:p>
+          <a:p>
+            <a:pPr lvl="3"/>
+            <a:r>
+              <a:rPr/>
+              <a:t>えええ</a:t>
             </a:r>
           </a:p>
         </p:txBody>
@@ -4104,6 +4166,296 @@
       <p:sp>
         <p:nvSpPr>
           <p:cNvPr id="6" name="スライド番号プレースホルダー 5"/>
+          <p:cNvSpPr>
+            <a:spLocks noGrp="1"/>
+          </p:cNvSpPr>
+          <p:nvPr>
+            <p:ph idx="12" sz="quarter" type="sldNum"/>
+          </p:nvPr>
+        </p:nvSpPr>
+        <p:spPr/>
+        <p:txBody>
+          <a:bodyPr/>
+          <a:lstStyle/>
+          <a:p>
+            <a:fld id="{D6591E97-2355-4C5F-BA98-15BCC4DBE61A}" type="slidenum">
+              <a:rPr altLang="en-US" kumimoji="1" lang="ja-JP" smtClean="0"/>
+              <a:t>‹#›</a:t>
+            </a:fld>
+            <a:endParaRPr altLang="en-US" kumimoji="1" lang="ja-JP"/>
+          </a:p>
+        </p:txBody>
+      </p:sp>
+    </p:spTree>
+  </p:cSld>
+</p:sld>
+</file>
+
+<file path=ppt/slides/slide6.xml><?xml version="1.0" encoding="utf-8"?>
+<p:sld xmlns:a="http://schemas.openxmlformats.org/drawingml/2006/main" xmlns:r="http://schemas.openxmlformats.org/officeDocument/2006/relationships" xmlns:p="http://schemas.openxmlformats.org/presentationml/2006/main">
+  <p:cSld>
+    <p:spTree>
+      <p:nvGrpSpPr>
+        <p:cNvPr id="1" name=""/>
+        <p:cNvGrpSpPr/>
+        <p:nvPr/>
+      </p:nvGrpSpPr>
+      <p:grpSpPr>
+        <a:xfrm>
+          <a:off x="0" y="0"/>
+          <a:ext cx="0" cy="0"/>
+          <a:chOff x="0" y="0"/>
+          <a:chExt cx="0" cy="0"/>
+        </a:xfrm>
+      </p:grpSpPr>
+      <p:sp>
+        <p:nvSpPr>
+          <p:cNvPr id="2" name="タイトル 1"/>
+          <p:cNvSpPr>
+            <a:spLocks noGrp="1"/>
+          </p:cNvSpPr>
+          <p:nvPr>
+            <p:ph type="title"/>
+          </p:nvPr>
+        </p:nvSpPr>
+        <p:spPr/>
+        <p:txBody>
+          <a:bodyPr/>
+          <a:lstStyle/>
+          <a:p>
+            <a:pPr lvl="0" indent="0" marL="0">
+              <a:buNone/>
+            </a:pPr>
+            <a:r>
+              <a:rPr/>
+              <a:t>Two Content1</a:t>
+            </a:r>
+          </a:p>
+        </p:txBody>
+      </p:sp>
+      <p:sp>
+        <p:nvSpPr>
+          <p:cNvPr id="3" name="コンテンツ プレースホルダー 2"/>
+          <p:cNvSpPr>
+            <a:spLocks noGrp="1"/>
+          </p:cNvSpPr>
+          <p:nvPr>
+            <p:ph idx="1" sz="half"/>
+          </p:nvPr>
+        </p:nvSpPr>
+        <p:spPr/>
+        <p:txBody>
+          <a:bodyPr/>
+          <a:lstStyle/>
+          <a:p>
+            <a:pPr lvl="0"/>
+            <a:r>
+              <a:rPr/>
+              <a:t>hogehoge</a:t>
+            </a:r>
+          </a:p>
+          <a:p>
+            <a:pPr lvl="0"/>
+            <a:r>
+              <a:rPr/>
+              <a:t>hogehoge</a:t>
+            </a:r>
+          </a:p>
+        </p:txBody>
+      </p:sp>
+      <p:sp>
+        <p:nvSpPr>
+          <p:cNvPr id="4" name="コンテンツ プレースホルダー 3"/>
+          <p:cNvSpPr>
+            <a:spLocks noGrp="1"/>
+          </p:cNvSpPr>
+          <p:nvPr>
+            <p:ph idx="2" sz="half"/>
+          </p:nvPr>
+        </p:nvSpPr>
+        <p:spPr/>
+        <p:txBody>
+          <a:bodyPr/>
+          <a:lstStyle/>
+          <a:p>
+            <a:pPr lvl="0"/>
+            <a:r>
+              <a:rPr/>
+              <a:t>hogehoge</a:t>
+            </a:r>
+          </a:p>
+          <a:p>
+            <a:pPr lvl="0"/>
+            <a:r>
+              <a:rPr/>
+              <a:t>hogehoge</a:t>
+            </a:r>
+          </a:p>
+        </p:txBody>
+      </p:sp>
+      <p:sp>
+        <p:nvSpPr>
+          <p:cNvPr id="7" name="スライド番号プレースホルダー 6"/>
+          <p:cNvSpPr>
+            <a:spLocks noGrp="1"/>
+          </p:cNvSpPr>
+          <p:nvPr>
+            <p:ph idx="12" sz="quarter" type="sldNum"/>
+          </p:nvPr>
+        </p:nvSpPr>
+        <p:spPr/>
+        <p:txBody>
+          <a:bodyPr/>
+          <a:lstStyle/>
+          <a:p>
+            <a:fld id="{D6591E97-2355-4C5F-BA98-15BCC4DBE61A}" type="slidenum">
+              <a:rPr altLang="en-US" kumimoji="1" lang="ja-JP" smtClean="0"/>
+              <a:t>‹#›</a:t>
+            </a:fld>
+            <a:endParaRPr altLang="en-US" kumimoji="1" lang="ja-JP"/>
+          </a:p>
+        </p:txBody>
+      </p:sp>
+    </p:spTree>
+  </p:cSld>
+</p:sld>
+</file>
+
+<file path=ppt/slides/slide7.xml><?xml version="1.0" encoding="utf-8"?>
+<p:sld xmlns:a="http://schemas.openxmlformats.org/drawingml/2006/main" xmlns:r="http://schemas.openxmlformats.org/officeDocument/2006/relationships" xmlns:p="http://schemas.openxmlformats.org/presentationml/2006/main">
+  <p:cSld>
+    <p:spTree>
+      <p:nvGrpSpPr>
+        <p:cNvPr id="1" name=""/>
+        <p:cNvGrpSpPr/>
+        <p:nvPr/>
+      </p:nvGrpSpPr>
+      <p:grpSpPr>
+        <a:xfrm>
+          <a:off x="0" y="0"/>
+          <a:ext cx="0" cy="0"/>
+          <a:chOff x="0" y="0"/>
+          <a:chExt cx="0" cy="0"/>
+        </a:xfrm>
+      </p:grpSpPr>
+      <p:sp>
+        <p:nvSpPr>
+          <p:cNvPr id="2" name="タイトル 1"/>
+          <p:cNvSpPr>
+            <a:spLocks noGrp="1"/>
+          </p:cNvSpPr>
+          <p:nvPr>
+            <p:ph type="title"/>
+          </p:nvPr>
+        </p:nvSpPr>
+        <p:spPr/>
+        <p:txBody>
+          <a:bodyPr/>
+          <a:lstStyle/>
+          <a:p>
+            <a:pPr lvl="0" indent="0" marL="0">
+              <a:buNone/>
+            </a:pPr>
+            <a:r>
+              <a:rPr/>
+              <a:t>Two Content2</a:t>
+            </a:r>
+          </a:p>
+        </p:txBody>
+      </p:sp>
+      <p:sp>
+        <p:nvSpPr>
+          <p:cNvPr id="3" name="コンテンツ プレースホルダー 2"/>
+          <p:cNvSpPr>
+            <a:spLocks noGrp="1"/>
+          </p:cNvSpPr>
+          <p:nvPr>
+            <p:ph idx="1" sz="half"/>
+          </p:nvPr>
+        </p:nvSpPr>
+        <p:spPr/>
+        <p:txBody>
+          <a:bodyPr/>
+          <a:lstStyle/>
+          <a:p>
+            <a:pPr lvl="0"/>
+            <a:r>
+              <a:rPr/>
+              <a:t>hogehoge</a:t>
+            </a:r>
+          </a:p>
+          <a:p>
+            <a:pPr lvl="0"/>
+            <a:r>
+              <a:rPr/>
+              <a:t>hogehoge</a:t>
+            </a:r>
+          </a:p>
+        </p:txBody>
+      </p:sp>
+      <p:pic>
+        <p:nvPicPr>
+          <p:cNvPr descr="images/1-1.png" id="0" name="Picture 1"/>
+          <p:cNvPicPr>
+            <a:picLocks noGrp="1" noChangeAspect="1"/>
+          </p:cNvPicPr>
+          <p:nvPr/>
+        </p:nvPicPr>
+        <p:blipFill>
+          <a:blip r:embed="rId2"/>
+          <a:stretch>
+            <a:fillRect/>
+          </a:stretch>
+        </p:blipFill>
+        <p:spPr bwMode="auto">
+          <a:xfrm>
+            <a:off x="4686300" y="914400"/>
+            <a:ext cx="4305300" cy="3352800"/>
+          </a:xfrm>
+          <a:prstGeom prst="rect">
+            <a:avLst/>
+          </a:prstGeom>
+          <a:noFill/>
+          <a:ln w="9525">
+            <a:noFill/>
+            <a:headEnd/>
+            <a:tailEnd/>
+          </a:ln>
+        </p:spPr>
+      </p:pic>
+      <p:sp>
+        <p:nvSpPr>
+          <p:cNvPr id="1" name="TextBox 3"/>
+          <p:cNvSpPr txBox="1"/>
+          <p:nvPr/>
+        </p:nvSpPr>
+        <p:spPr>
+          <a:xfrm>
+            <a:off x="4673600" y="4267200"/>
+            <a:ext cx="4318000" cy="508000"/>
+          </a:xfrm>
+          <a:prstGeom prst="rect">
+            <a:avLst/>
+          </a:prstGeom>
+          <a:noFill/>
+        </p:spPr>
+        <p:txBody>
+          <a:bodyPr/>
+          <a:lstStyle/>
+          <a:p>
+            <a:pPr lvl="0" indent="0" marL="0" algn="ctr">
+              <a:buNone/>
+            </a:pPr>
+            <a:r>
+              <a:rPr/>
+              <a:t>image</a:t>
+            </a:r>
+          </a:p>
+        </p:txBody>
+      </p:sp>
+      <p:sp>
+        <p:nvSpPr>
+          <p:cNvPr id="7" name="スライド番号プレースホルダー 6"/>
           <p:cNvSpPr>
             <a:spLocks noGrp="1"/>
           </p:cNvSpPr>

--- a/pp/hoge.pptx
+++ b/pp/hoge.pptx
@@ -4228,137 +4228,7 @@
             </a:pPr>
             <a:r>
               <a:rPr/>
-              <a:t>Two Content1</a:t>
-            </a:r>
-          </a:p>
-        </p:txBody>
-      </p:sp>
-      <p:sp>
-        <p:nvSpPr>
-          <p:cNvPr id="3" name="コンテンツ プレースホルダー 2"/>
-          <p:cNvSpPr>
-            <a:spLocks noGrp="1"/>
-          </p:cNvSpPr>
-          <p:nvPr>
-            <p:ph idx="1" sz="half"/>
-          </p:nvPr>
-        </p:nvSpPr>
-        <p:spPr/>
-        <p:txBody>
-          <a:bodyPr/>
-          <a:lstStyle/>
-          <a:p>
-            <a:pPr lvl="0"/>
-            <a:r>
-              <a:rPr/>
-              <a:t>hogehoge</a:t>
-            </a:r>
-          </a:p>
-          <a:p>
-            <a:pPr lvl="0"/>
-            <a:r>
-              <a:rPr/>
-              <a:t>hogehoge</a:t>
-            </a:r>
-          </a:p>
-        </p:txBody>
-      </p:sp>
-      <p:sp>
-        <p:nvSpPr>
-          <p:cNvPr id="4" name="コンテンツ プレースホルダー 3"/>
-          <p:cNvSpPr>
-            <a:spLocks noGrp="1"/>
-          </p:cNvSpPr>
-          <p:nvPr>
-            <p:ph idx="2" sz="half"/>
-          </p:nvPr>
-        </p:nvSpPr>
-        <p:spPr/>
-        <p:txBody>
-          <a:bodyPr/>
-          <a:lstStyle/>
-          <a:p>
-            <a:pPr lvl="0"/>
-            <a:r>
-              <a:rPr/>
-              <a:t>hogehoge</a:t>
-            </a:r>
-          </a:p>
-          <a:p>
-            <a:pPr lvl="0"/>
-            <a:r>
-              <a:rPr/>
-              <a:t>hogehoge</a:t>
-            </a:r>
-          </a:p>
-        </p:txBody>
-      </p:sp>
-      <p:sp>
-        <p:nvSpPr>
-          <p:cNvPr id="7" name="スライド番号プレースホルダー 6"/>
-          <p:cNvSpPr>
-            <a:spLocks noGrp="1"/>
-          </p:cNvSpPr>
-          <p:nvPr>
-            <p:ph idx="12" sz="quarter" type="sldNum"/>
-          </p:nvPr>
-        </p:nvSpPr>
-        <p:spPr/>
-        <p:txBody>
-          <a:bodyPr/>
-          <a:lstStyle/>
-          <a:p>
-            <a:fld id="{D6591E97-2355-4C5F-BA98-15BCC4DBE61A}" type="slidenum">
-              <a:rPr altLang="en-US" kumimoji="1" lang="ja-JP" smtClean="0"/>
-              <a:t>‹#›</a:t>
-            </a:fld>
-            <a:endParaRPr altLang="en-US" kumimoji="1" lang="ja-JP"/>
-          </a:p>
-        </p:txBody>
-      </p:sp>
-    </p:spTree>
-  </p:cSld>
-</p:sld>
-</file>
-
-<file path=ppt/slides/slide7.xml><?xml version="1.0" encoding="utf-8"?>
-<p:sld xmlns:a="http://schemas.openxmlformats.org/drawingml/2006/main" xmlns:r="http://schemas.openxmlformats.org/officeDocument/2006/relationships" xmlns:p="http://schemas.openxmlformats.org/presentationml/2006/main">
-  <p:cSld>
-    <p:spTree>
-      <p:nvGrpSpPr>
-        <p:cNvPr id="1" name=""/>
-        <p:cNvGrpSpPr/>
-        <p:nvPr/>
-      </p:nvGrpSpPr>
-      <p:grpSpPr>
-        <a:xfrm>
-          <a:off x="0" y="0"/>
-          <a:ext cx="0" cy="0"/>
-          <a:chOff x="0" y="0"/>
-          <a:chExt cx="0" cy="0"/>
-        </a:xfrm>
-      </p:grpSpPr>
-      <p:sp>
-        <p:nvSpPr>
-          <p:cNvPr id="2" name="タイトル 1"/>
-          <p:cNvSpPr>
-            <a:spLocks noGrp="1"/>
-          </p:cNvSpPr>
-          <p:nvPr>
-            <p:ph type="title"/>
-          </p:nvPr>
-        </p:nvSpPr>
-        <p:spPr/>
-        <p:txBody>
-          <a:bodyPr/>
-          <a:lstStyle/>
-          <a:p>
-            <a:pPr lvl="0" indent="0" marL="0">
-              <a:buNone/>
-            </a:pPr>
-            <a:r>
-              <a:rPr/>
-              <a:t>Two Content2</a:t>
+              <a:t>Two Content</a:t>
             </a:r>
           </a:p>
         </p:txBody>
@@ -4449,6 +4319,136 @@
             <a:r>
               <a:rPr/>
               <a:t>image</a:t>
+            </a:r>
+          </a:p>
+        </p:txBody>
+      </p:sp>
+      <p:sp>
+        <p:nvSpPr>
+          <p:cNvPr id="7" name="スライド番号プレースホルダー 6"/>
+          <p:cNvSpPr>
+            <a:spLocks noGrp="1"/>
+          </p:cNvSpPr>
+          <p:nvPr>
+            <p:ph idx="12" sz="quarter" type="sldNum"/>
+          </p:nvPr>
+        </p:nvSpPr>
+        <p:spPr/>
+        <p:txBody>
+          <a:bodyPr/>
+          <a:lstStyle/>
+          <a:p>
+            <a:fld id="{D6591E97-2355-4C5F-BA98-15BCC4DBE61A}" type="slidenum">
+              <a:rPr altLang="en-US" kumimoji="1" lang="ja-JP" smtClean="0"/>
+              <a:t>‹#›</a:t>
+            </a:fld>
+            <a:endParaRPr altLang="en-US" kumimoji="1" lang="ja-JP"/>
+          </a:p>
+        </p:txBody>
+      </p:sp>
+    </p:spTree>
+  </p:cSld>
+</p:sld>
+</file>
+
+<file path=ppt/slides/slide7.xml><?xml version="1.0" encoding="utf-8"?>
+<p:sld xmlns:a="http://schemas.openxmlformats.org/drawingml/2006/main" xmlns:r="http://schemas.openxmlformats.org/officeDocument/2006/relationships" xmlns:p="http://schemas.openxmlformats.org/presentationml/2006/main">
+  <p:cSld>
+    <p:spTree>
+      <p:nvGrpSpPr>
+        <p:cNvPr id="1" name=""/>
+        <p:cNvGrpSpPr/>
+        <p:nvPr/>
+      </p:nvGrpSpPr>
+      <p:grpSpPr>
+        <a:xfrm>
+          <a:off x="0" y="0"/>
+          <a:ext cx="0" cy="0"/>
+          <a:chOff x="0" y="0"/>
+          <a:chExt cx="0" cy="0"/>
+        </a:xfrm>
+      </p:grpSpPr>
+      <p:sp>
+        <p:nvSpPr>
+          <p:cNvPr id="2" name="タイトル 1"/>
+          <p:cNvSpPr>
+            <a:spLocks noGrp="1"/>
+          </p:cNvSpPr>
+          <p:nvPr>
+            <p:ph type="title"/>
+          </p:nvPr>
+        </p:nvSpPr>
+        <p:spPr/>
+        <p:txBody>
+          <a:bodyPr/>
+          <a:lstStyle/>
+          <a:p>
+            <a:pPr lvl="0" indent="0" marL="0">
+              <a:buNone/>
+            </a:pPr>
+            <a:r>
+              <a:rPr/>
+              <a:t>Two Content</a:t>
+            </a:r>
+          </a:p>
+        </p:txBody>
+      </p:sp>
+      <p:sp>
+        <p:nvSpPr>
+          <p:cNvPr id="3" name="コンテンツ プレースホルダー 2"/>
+          <p:cNvSpPr>
+            <a:spLocks noGrp="1"/>
+          </p:cNvSpPr>
+          <p:nvPr>
+            <p:ph idx="1" sz="half"/>
+          </p:nvPr>
+        </p:nvSpPr>
+        <p:spPr/>
+        <p:txBody>
+          <a:bodyPr/>
+          <a:lstStyle/>
+          <a:p>
+            <a:pPr lvl="0"/>
+            <a:r>
+              <a:rPr/>
+              <a:t>hogehoge</a:t>
+            </a:r>
+          </a:p>
+          <a:p>
+            <a:pPr lvl="0"/>
+            <a:r>
+              <a:rPr/>
+              <a:t>hogehoge</a:t>
+            </a:r>
+          </a:p>
+        </p:txBody>
+      </p:sp>
+      <p:sp>
+        <p:nvSpPr>
+          <p:cNvPr id="4" name="コンテンツ プレースホルダー 3"/>
+          <p:cNvSpPr>
+            <a:spLocks noGrp="1"/>
+          </p:cNvSpPr>
+          <p:nvPr>
+            <p:ph idx="2" sz="half"/>
+          </p:nvPr>
+        </p:nvSpPr>
+        <p:spPr/>
+        <p:txBody>
+          <a:bodyPr/>
+          <a:lstStyle/>
+          <a:p>
+            <a:pPr lvl="0"/>
+            <a:r>
+              <a:rPr/>
+              <a:t>hogehoge</a:t>
+            </a:r>
+          </a:p>
+          <a:p>
+            <a:pPr lvl="0"/>
+            <a:r>
+              <a:rPr/>
+              <a:t>hogehoge</a:t>
             </a:r>
           </a:p>
         </p:txBody>

--- a/pp/hoge.pptx
+++ b/pp/hoge.pptx
@@ -12,6 +12,7 @@
     <p:sldId id="260" r:id="rId6"/>
     <p:sldId id="261" r:id="rId7"/>
     <p:sldId id="262" r:id="rId8"/>
+    <p:sldId id="263" r:id="rId9"/>
   </p:sldIdLst>
   <p:sldSz cx="9144000" cy="5143500" type="screen16x9"/>
   <p:notesSz cx="6858000" cy="9144000"/>
@@ -4263,62 +4264,32 @@
           </a:p>
         </p:txBody>
       </p:sp>
-      <p:pic>
-        <p:nvPicPr>
-          <p:cNvPr descr="images/1-1.png" id="0" name="Picture 1"/>
-          <p:cNvPicPr>
-            <a:picLocks noGrp="1" noChangeAspect="1"/>
-          </p:cNvPicPr>
-          <p:nvPr/>
-        </p:nvPicPr>
-        <p:blipFill>
-          <a:blip r:embed="rId2"/>
-          <a:stretch>
-            <a:fillRect/>
-          </a:stretch>
-        </p:blipFill>
-        <p:spPr bwMode="auto">
-          <a:xfrm>
-            <a:off x="4686300" y="914400"/>
-            <a:ext cx="4305300" cy="3352800"/>
-          </a:xfrm>
-          <a:prstGeom prst="rect">
-            <a:avLst/>
-          </a:prstGeom>
-          <a:noFill/>
-          <a:ln w="9525">
-            <a:noFill/>
-            <a:headEnd/>
-            <a:tailEnd/>
-          </a:ln>
-        </p:spPr>
-      </p:pic>
-      <p:sp>
-        <p:nvSpPr>
-          <p:cNvPr id="1" name="TextBox 3"/>
-          <p:cNvSpPr txBox="1"/>
-          <p:nvPr/>
-        </p:nvSpPr>
-        <p:spPr>
-          <a:xfrm>
-            <a:off x="4673600" y="4267200"/>
-            <a:ext cx="4318000" cy="508000"/>
-          </a:xfrm>
-          <a:prstGeom prst="rect">
-            <a:avLst/>
-          </a:prstGeom>
-          <a:noFill/>
-        </p:spPr>
-        <p:txBody>
-          <a:bodyPr/>
-          <a:lstStyle/>
-          <a:p>
-            <a:pPr lvl="0" indent="0" marL="0" algn="ctr">
-              <a:buNone/>
-            </a:pPr>
+      <p:sp>
+        <p:nvSpPr>
+          <p:cNvPr id="4" name="コンテンツ プレースホルダー 3"/>
+          <p:cNvSpPr>
+            <a:spLocks noGrp="1"/>
+          </p:cNvSpPr>
+          <p:nvPr>
+            <p:ph idx="2" sz="half"/>
+          </p:nvPr>
+        </p:nvSpPr>
+        <p:spPr/>
+        <p:txBody>
+          <a:bodyPr/>
+          <a:lstStyle/>
+          <a:p>
+            <a:pPr lvl="0"/>
             <a:r>
               <a:rPr/>
-              <a:t>image</a:t>
+              <a:t>hogehoge</a:t>
+            </a:r>
+          </a:p>
+          <a:p>
+            <a:pPr lvl="0"/>
+            <a:r>
+              <a:rPr/>
+              <a:t>hogehoge</a:t>
             </a:r>
           </a:p>
         </p:txBody>
@@ -4378,7 +4349,12 @@
             <p:ph type="title"/>
           </p:nvPr>
         </p:nvSpPr>
-        <p:spPr/>
+        <p:spPr>
+          <a:xfrm>
+            <a:off x="629840" y="342900"/>
+            <a:ext cx="5828109" cy="523999"/>
+          </a:xfrm>
+        </p:spPr>
         <p:txBody>
           <a:bodyPr/>
           <a:lstStyle/>
@@ -4395,12 +4371,12 @@
       </p:sp>
       <p:sp>
         <p:nvSpPr>
-          <p:cNvPr id="3" name="コンテンツ プレースホルダー 2"/>
-          <p:cNvSpPr>
-            <a:spLocks noGrp="1"/>
-          </p:cNvSpPr>
-          <p:nvPr>
-            <p:ph idx="1" sz="half"/>
+          <p:cNvPr id="4" name="テキスト プレースホルダー 3"/>
+          <p:cNvSpPr>
+            <a:spLocks noGrp="1"/>
+          </p:cNvSpPr>
+          <p:nvPr>
+            <p:ph idx="2" sz="half" type="body"/>
           </p:nvPr>
         </p:nvSpPr>
         <p:spPr/>
@@ -4423,14 +4399,74 @@
           </a:p>
         </p:txBody>
       </p:sp>
-      <p:sp>
-        <p:nvSpPr>
-          <p:cNvPr id="4" name="コンテンツ プレースホルダー 3"/>
-          <p:cNvSpPr>
-            <a:spLocks noGrp="1"/>
-          </p:cNvSpPr>
-          <p:nvPr>
-            <p:ph idx="2" sz="half"/>
+      <p:pic>
+        <p:nvPicPr>
+          <p:cNvPr descr="images/1-1.jpg" id="0" name="Picture 1"/>
+          <p:cNvPicPr>
+            <a:picLocks noGrp="1" noChangeAspect="1"/>
+          </p:cNvPicPr>
+          <p:nvPr/>
+        </p:nvPicPr>
+        <p:blipFill>
+          <a:blip r:embed="rId2"/>
+          <a:stretch>
+            <a:fillRect/>
+          </a:stretch>
+        </p:blipFill>
+        <p:spPr bwMode="auto">
+          <a:xfrm>
+            <a:off x="1600200" y="0"/>
+            <a:ext cx="5943600" cy="4635500"/>
+          </a:xfrm>
+          <a:prstGeom prst="rect">
+            <a:avLst/>
+          </a:prstGeom>
+          <a:noFill/>
+          <a:ln w="9525">
+            <a:noFill/>
+            <a:headEnd/>
+            <a:tailEnd/>
+          </a:ln>
+        </p:spPr>
+      </p:pic>
+      <p:sp>
+        <p:nvSpPr>
+          <p:cNvPr id="1" name="TextBox 3"/>
+          <p:cNvSpPr txBox="1"/>
+          <p:nvPr/>
+        </p:nvSpPr>
+        <p:spPr>
+          <a:xfrm>
+            <a:off x="0" y="4635500"/>
+            <a:ext cx="9144000" cy="508000"/>
+          </a:xfrm>
+          <a:prstGeom prst="rect">
+            <a:avLst/>
+          </a:prstGeom>
+          <a:noFill/>
+        </p:spPr>
+        <p:txBody>
+          <a:bodyPr/>
+          <a:lstStyle/>
+          <a:p>
+            <a:pPr lvl="0" indent="0" marL="0" algn="ctr">
+              <a:buNone/>
+            </a:pPr>
+            <a:r>
+              <a:rPr/>
+              <a:t>image</a:t>
+            </a:r>
+          </a:p>
+        </p:txBody>
+      </p:sp>
+      <p:sp>
+        <p:nvSpPr>
+          <p:cNvPr id="7" name="スライド番号プレースホルダー 6"/>
+          <p:cNvSpPr>
+            <a:spLocks noGrp="1"/>
+          </p:cNvSpPr>
+          <p:nvPr>
+            <p:ph idx="12" sz="quarter" type="sldNum"/>
           </p:nvPr>
         </p:nvSpPr>
         <p:spPr/>
@@ -4438,24 +4474,89 @@
           <a:bodyPr/>
           <a:lstStyle/>
           <a:p>
-            <a:pPr lvl="0"/>
+            <a:fld id="{D6591E97-2355-4C5F-BA98-15BCC4DBE61A}" type="slidenum">
+              <a:rPr altLang="en-US" kumimoji="1" lang="ja-JP" smtClean="0"/>
+              <a:t>‹#›</a:t>
+            </a:fld>
+            <a:endParaRPr altLang="en-US" kumimoji="1" lang="ja-JP"/>
+          </a:p>
+        </p:txBody>
+      </p:sp>
+    </p:spTree>
+  </p:cSld>
+</p:sld>
+</file>
+
+<file path=ppt/slides/slide8.xml><?xml version="1.0" encoding="utf-8"?>
+<p:sld xmlns:a="http://schemas.openxmlformats.org/drawingml/2006/main" xmlns:r="http://schemas.openxmlformats.org/officeDocument/2006/relationships" xmlns:p="http://schemas.openxmlformats.org/presentationml/2006/main">
+  <p:cSld>
+    <p:spTree>
+      <p:nvGrpSpPr>
+        <p:cNvPr id="1" name=""/>
+        <p:cNvGrpSpPr/>
+        <p:nvPr/>
+      </p:nvGrpSpPr>
+      <p:grpSpPr>
+        <a:xfrm>
+          <a:off x="0" y="0"/>
+          <a:ext cx="0" cy="0"/>
+          <a:chOff x="0" y="0"/>
+          <a:chExt cx="0" cy="0"/>
+        </a:xfrm>
+      </p:grpSpPr>
+      <p:sp>
+        <p:nvSpPr>
+          <p:cNvPr id="2" name="タイトル 1"/>
+          <p:cNvSpPr>
+            <a:spLocks noGrp="1"/>
+          </p:cNvSpPr>
+          <p:nvPr>
+            <p:ph type="title"/>
+          </p:nvPr>
+        </p:nvSpPr>
+        <p:spPr/>
+        <p:txBody>
+          <a:bodyPr/>
+          <a:lstStyle/>
+          <a:p>
+            <a:pPr lvl="0" indent="0" marL="0">
+              <a:buNone/>
+            </a:pPr>
             <a:r>
               <a:rPr/>
-              <a:t>hogehoge</a:t>
-            </a:r>
-          </a:p>
-          <a:p>
-            <a:pPr lvl="0"/>
+              <a:t>Two Content</a:t>
+            </a:r>
+          </a:p>
+        </p:txBody>
+      </p:sp>
+      <p:sp>
+        <p:nvSpPr>
+          <p:cNvPr id="3" name="コンテンツ プレースホルダー 2"/>
+          <p:cNvSpPr>
+            <a:spLocks noGrp="1"/>
+          </p:cNvSpPr>
+          <p:nvPr>
+            <p:ph idx="1"/>
+          </p:nvPr>
+        </p:nvSpPr>
+        <p:spPr/>
+        <p:txBody>
+          <a:bodyPr/>
+          <a:lstStyle/>
+          <a:p>
+            <a:pPr lvl="0" indent="0" marL="0">
+              <a:buNone/>
+            </a:pPr>
             <a:r>
               <a:rPr/>
-              <a:t>hogehoge</a:t>
-            </a:r>
-          </a:p>
-        </p:txBody>
-      </p:sp>
-      <p:sp>
-        <p:nvSpPr>
-          <p:cNvPr id="7" name="スライド番号プレースホルダー 6"/>
+              <a:t>aaa</a:t>
+            </a:r>
+          </a:p>
+        </p:txBody>
+      </p:sp>
+      <p:sp>
+        <p:nvSpPr>
+          <p:cNvPr id="6" name="スライド番号プレースホルダー 5"/>
           <p:cNvSpPr>
             <a:spLocks noGrp="1"/>
           </p:cNvSpPr>
